--- a/Lec-30/lecture-30.pptx
+++ b/Lec-30/lecture-30.pptx
@@ -6,7 +6,7 @@
     <p:sldMasterId id="2147483661" r:id="rId2"/>
   </p:sldMasterIdLst>
   <p:notesMasterIdLst>
-    <p:notesMasterId r:id="rId13"/>
+    <p:notesMasterId r:id="rId14"/>
   </p:notesMasterIdLst>
   <p:sldIdLst>
     <p:sldId id="256" r:id="rId3"/>
@@ -18,24 +18,32 @@
     <p:sldId id="347" r:id="rId9"/>
     <p:sldId id="344" r:id="rId10"/>
     <p:sldId id="346" r:id="rId11"/>
-    <p:sldId id="277" r:id="rId12"/>
+    <p:sldId id="349" r:id="rId12"/>
+    <p:sldId id="277" r:id="rId13"/>
   </p:sldIdLst>
   <p:sldSz cx="9144000" cy="5143500" type="screen16x9"/>
   <p:notesSz cx="6858000" cy="9144000"/>
   <p:embeddedFontLst>
     <p:embeddedFont>
       <p:font typeface="Montserrat" panose="00000500000000000000" pitchFamily="2" charset="0"/>
-      <p:regular r:id="rId14"/>
-      <p:bold r:id="rId15"/>
-      <p:italic r:id="rId16"/>
-      <p:boldItalic r:id="rId17"/>
+      <p:regular r:id="rId15"/>
+      <p:bold r:id="rId16"/>
+      <p:italic r:id="rId17"/>
+      <p:boldItalic r:id="rId18"/>
+    </p:embeddedFont>
+    <p:embeddedFont>
+      <p:font typeface="Nunito Sans" pitchFamily="2" charset="0"/>
+      <p:regular r:id="rId19"/>
+      <p:bold r:id="rId20"/>
+      <p:italic r:id="rId21"/>
+      <p:boldItalic r:id="rId22"/>
     </p:embeddedFont>
     <p:embeddedFont>
       <p:font typeface="Verdana" panose="020B0604030504040204" pitchFamily="34" charset="0"/>
-      <p:regular r:id="rId18"/>
-      <p:bold r:id="rId19"/>
-      <p:italic r:id="rId20"/>
-      <p:boldItalic r:id="rId21"/>
+      <p:regular r:id="rId23"/>
+      <p:bold r:id="rId24"/>
+      <p:italic r:id="rId25"/>
+      <p:boldItalic r:id="rId26"/>
     </p:embeddedFont>
   </p:embeddedFontLst>
   <p:defaultTextStyle>
@@ -283,7 +291,7 @@
       </p15:sldGuideLst>
     </p:ext>
     <p:ext uri="http://customooxmlschemas.google.com/">
-      <go:slidesCustomData xmlns:go="http://customooxmlschemas.google.com/" xmlns:ahyp="http://schemas.microsoft.com/office/drawing/2018/hyperlinkcolor" xmlns:p15="http://schemas.microsoft.com/office/powerpoint/2012/main" xmlns:p14="http://schemas.microsoft.com/office/powerpoint/2010/main" xmlns:com="http://schemas.openxmlformats.org/drawingml/2006/compatibility" xmlns:pvml="urn:schemas-microsoft-com:office:powerpoint" xmlns:v="urn:schemas-microsoft-com:vml" xmlns:o="urn:schemas-microsoft-com:office:office" xmlns:dgm="http://schemas.openxmlformats.org/drawingml/2006/diagram" xmlns:c="http://schemas.openxmlformats.org/drawingml/2006/chart" xmlns:mv="urn:schemas-microsoft-com:mac:vml" xmlns:mc="http://schemas.openxmlformats.org/markup-compatibility/2006" xmlns="" r:id="rId36" roundtripDataSignature="AMtx7mhEaqFSrBF/ws3RX4DNqAvM7uCGKw=="/>
+      <go:slidesCustomData xmlns="" xmlns:mc="http://schemas.openxmlformats.org/markup-compatibility/2006" xmlns:mv="urn:schemas-microsoft-com:mac:vml" xmlns:c="http://schemas.openxmlformats.org/drawingml/2006/chart" xmlns:dgm="http://schemas.openxmlformats.org/drawingml/2006/diagram" xmlns:o="urn:schemas-microsoft-com:office:office" xmlns:v="urn:schemas-microsoft-com:vml" xmlns:pvml="urn:schemas-microsoft-com:office:powerpoint" xmlns:com="http://schemas.openxmlformats.org/drawingml/2006/compatibility" xmlns:p14="http://schemas.microsoft.com/office/powerpoint/2010/main" xmlns:p15="http://schemas.microsoft.com/office/powerpoint/2012/main" xmlns:ahyp="http://schemas.microsoft.com/office/drawing/2018/hyperlinkcolor" xmlns:go="http://customooxmlschemas.google.com/" r:id="rId36" roundtripDataSignature="AMtx7mhEaqFSrBF/ws3RX4DNqAvM7uCGKw=="/>
     </p:ext>
   </p:extLst>
 </p:presentation>
@@ -991,6 +999,133 @@
 </file>
 
 <file path=ppt/notesSlides/notesSlide10.xml><?xml version="1.0" encoding="utf-8"?>
+<p:notes xmlns:a="http://schemas.openxmlformats.org/drawingml/2006/main" xmlns:r="http://schemas.openxmlformats.org/officeDocument/2006/relationships" xmlns:p="http://schemas.openxmlformats.org/presentationml/2006/main" showMasterSp="0" showMasterPhAnim="0">
+  <p:cSld>
+    <p:spTree>
+      <p:nvGrpSpPr>
+        <p:cNvPr id="1" name="Shape 181"/>
+        <p:cNvGrpSpPr/>
+        <p:nvPr/>
+      </p:nvGrpSpPr>
+      <p:grpSpPr>
+        <a:xfrm>
+          <a:off x="0" y="0"/>
+          <a:ext cx="0" cy="0"/>
+          <a:chOff x="0" y="0"/>
+          <a:chExt cx="0" cy="0"/>
+        </a:xfrm>
+      </p:grpSpPr>
+      <p:sp>
+        <p:nvSpPr>
+          <p:cNvPr id="182" name="Google Shape;182;g5f0308bde3_0_494:notes"/>
+          <p:cNvSpPr>
+            <a:spLocks noGrp="1" noRot="1" noChangeAspect="1"/>
+          </p:cNvSpPr>
+          <p:nvPr>
+            <p:ph type="sldImg" idx="2"/>
+          </p:nvPr>
+        </p:nvSpPr>
+        <p:spPr>
+          <a:xfrm>
+            <a:off x="381000" y="685800"/>
+            <a:ext cx="6096000" cy="3429000"/>
+          </a:xfrm>
+          <a:custGeom>
+            <a:avLst/>
+            <a:gdLst/>
+            <a:ahLst/>
+            <a:cxnLst/>
+            <a:rect l="l" t="t" r="r" b="b"/>
+            <a:pathLst>
+              <a:path w="120000" h="120000" extrusionOk="0">
+                <a:moveTo>
+                  <a:pt x="0" y="0"/>
+                </a:moveTo>
+                <a:lnTo>
+                  <a:pt x="120000" y="0"/>
+                </a:lnTo>
+                <a:lnTo>
+                  <a:pt x="120000" y="120000"/>
+                </a:lnTo>
+                <a:lnTo>
+                  <a:pt x="0" y="120000"/>
+                </a:lnTo>
+                <a:close/>
+              </a:path>
+            </a:pathLst>
+          </a:custGeom>
+          <a:noFill/>
+          <a:ln w="9525" cap="flat" cmpd="sng">
+            <a:solidFill>
+              <a:srgbClr val="000000"/>
+            </a:solidFill>
+            <a:prstDash val="solid"/>
+            <a:round/>
+            <a:headEnd type="none" w="sm" len="sm"/>
+            <a:tailEnd type="none" w="sm" len="sm"/>
+          </a:ln>
+        </p:spPr>
+      </p:sp>
+      <p:sp>
+        <p:nvSpPr>
+          <p:cNvPr id="183" name="Google Shape;183;g5f0308bde3_0_494:notes"/>
+          <p:cNvSpPr txBox="1">
+            <a:spLocks noGrp="1"/>
+          </p:cNvSpPr>
+          <p:nvPr>
+            <p:ph type="body" idx="1"/>
+          </p:nvPr>
+        </p:nvSpPr>
+        <p:spPr>
+          <a:xfrm>
+            <a:off x="685800" y="4343400"/>
+            <a:ext cx="5486400" cy="4114800"/>
+          </a:xfrm>
+          <a:prstGeom prst="rect">
+            <a:avLst/>
+          </a:prstGeom>
+          <a:noFill/>
+          <a:ln>
+            <a:noFill/>
+          </a:ln>
+        </p:spPr>
+        <p:txBody>
+          <a:bodyPr spcFirstLastPara="1" wrap="square" lIns="91425" tIns="91425" rIns="91425" bIns="91425" anchor="t" anchorCtr="0">
+            <a:noAutofit/>
+          </a:bodyPr>
+          <a:lstStyle/>
+          <a:p>
+            <a:pPr marL="0" lvl="0" indent="0" algn="l" rtl="0">
+              <a:lnSpc>
+                <a:spcPct val="100000"/>
+              </a:lnSpc>
+              <a:spcBef>
+                <a:spcPts val="0"/>
+              </a:spcBef>
+              <a:spcAft>
+                <a:spcPts val="0"/>
+              </a:spcAft>
+              <a:buSzPts val="1100"/>
+              <a:buNone/>
+            </a:pPr>
+            <a:endParaRPr/>
+          </a:p>
+        </p:txBody>
+      </p:sp>
+    </p:spTree>
+    <p:extLst>
+      <p:ext uri="{BB962C8B-B14F-4D97-AF65-F5344CB8AC3E}">
+        <p14:creationId xmlns:p14="http://schemas.microsoft.com/office/powerpoint/2010/main" val="3693185881"/>
+      </p:ext>
+    </p:extLst>
+  </p:cSld>
+  <p:clrMapOvr>
+    <a:masterClrMapping/>
+  </p:clrMapOvr>
+</p:notes>
+</file>
+
+<file path=ppt/notesSlides/notesSlide11.xml><?xml version="1.0" encoding="utf-8"?>
 <p:notes xmlns:a="http://schemas.openxmlformats.org/drawingml/2006/main" xmlns:r="http://schemas.openxmlformats.org/officeDocument/2006/relationships" xmlns:p="http://schemas.openxmlformats.org/presentationml/2006/main" showMasterSp="0" showMasterPhAnim="0">
   <p:cSld>
     <p:spTree>
@@ -17396,6 +17531,452 @@
 </file>
 
 <file path=ppt/slides/slide10.xml><?xml version="1.0" encoding="utf-8"?>
+<p:sld xmlns:a="http://schemas.openxmlformats.org/drawingml/2006/main" xmlns:r="http://schemas.openxmlformats.org/officeDocument/2006/relationships" xmlns:p="http://schemas.openxmlformats.org/presentationml/2006/main">
+  <p:cSld>
+    <p:spTree>
+      <p:nvGrpSpPr>
+        <p:cNvPr id="1" name="Shape 184"/>
+        <p:cNvGrpSpPr/>
+        <p:nvPr/>
+      </p:nvGrpSpPr>
+      <p:grpSpPr>
+        <a:xfrm>
+          <a:off x="0" y="0"/>
+          <a:ext cx="0" cy="0"/>
+          <a:chOff x="0" y="0"/>
+          <a:chExt cx="0" cy="0"/>
+        </a:xfrm>
+      </p:grpSpPr>
+      <p:sp>
+        <p:nvSpPr>
+          <p:cNvPr id="186" name="Google Shape;186;g5f0308bde3_0_494"/>
+          <p:cNvSpPr/>
+          <p:nvPr/>
+        </p:nvSpPr>
+        <p:spPr>
+          <a:xfrm>
+            <a:off x="-21250" y="4675900"/>
+            <a:ext cx="9165300" cy="467700"/>
+          </a:xfrm>
+          <a:prstGeom prst="rect">
+            <a:avLst/>
+          </a:prstGeom>
+          <a:solidFill>
+            <a:srgbClr val="172746"/>
+          </a:solidFill>
+          <a:ln w="9525" cap="flat" cmpd="sng">
+            <a:solidFill>
+              <a:schemeClr val="dk2"/>
+            </a:solidFill>
+            <a:prstDash val="solid"/>
+            <a:round/>
+            <a:headEnd type="none" w="sm" len="sm"/>
+            <a:tailEnd type="none" w="sm" len="sm"/>
+          </a:ln>
+        </p:spPr>
+        <p:txBody>
+          <a:bodyPr spcFirstLastPara="1" wrap="square" lIns="91425" tIns="91425" rIns="91425" bIns="91425" anchor="ctr" anchorCtr="0">
+            <a:noAutofit/>
+          </a:bodyPr>
+          <a:lstStyle/>
+          <a:p>
+            <a:pPr marL="0" marR="0" lvl="0" indent="0" algn="l" rtl="0">
+              <a:lnSpc>
+                <a:spcPct val="100000"/>
+              </a:lnSpc>
+              <a:spcBef>
+                <a:spcPts val="0"/>
+              </a:spcBef>
+              <a:spcAft>
+                <a:spcPts val="0"/>
+              </a:spcAft>
+              <a:buClr>
+                <a:srgbClr val="000000"/>
+              </a:buClr>
+              <a:buSzPts val="1400"/>
+              <a:buFont typeface="Arial"/>
+              <a:buNone/>
+            </a:pPr>
+            <a:endParaRPr sz="1400" b="0" i="0" u="none" strike="noStrike" cap="none">
+              <a:solidFill>
+                <a:srgbClr val="000000"/>
+              </a:solidFill>
+              <a:latin typeface="Arial"/>
+              <a:ea typeface="Arial"/>
+              <a:cs typeface="Arial"/>
+              <a:sym typeface="Arial"/>
+            </a:endParaRPr>
+          </a:p>
+        </p:txBody>
+      </p:sp>
+      <p:grpSp>
+        <p:nvGrpSpPr>
+          <p:cNvPr id="188" name="Google Shape;188;g5f0308bde3_0_494"/>
+          <p:cNvGrpSpPr/>
+          <p:nvPr/>
+        </p:nvGrpSpPr>
+        <p:grpSpPr>
+          <a:xfrm>
+            <a:off x="652150" y="4737850"/>
+            <a:ext cx="7863100" cy="343800"/>
+            <a:chOff x="652150" y="4737850"/>
+            <a:chExt cx="7863100" cy="343800"/>
+          </a:xfrm>
+        </p:grpSpPr>
+        <p:sp>
+          <p:nvSpPr>
+            <p:cNvPr id="189" name="Google Shape;189;g5f0308bde3_0_494"/>
+            <p:cNvSpPr txBox="1"/>
+            <p:nvPr/>
+          </p:nvSpPr>
+          <p:spPr>
+            <a:xfrm>
+              <a:off x="652150" y="4737850"/>
+              <a:ext cx="2911500" cy="343800"/>
+            </a:xfrm>
+            <a:prstGeom prst="rect">
+              <a:avLst/>
+            </a:prstGeom>
+            <a:noFill/>
+            <a:ln>
+              <a:noFill/>
+            </a:ln>
+          </p:spPr>
+          <p:txBody>
+            <a:bodyPr spcFirstLastPara="1" wrap="square" lIns="91425" tIns="91425" rIns="91425" bIns="91425" anchor="t" anchorCtr="0">
+              <a:noAutofit/>
+            </a:bodyPr>
+            <a:lstStyle/>
+            <a:p>
+              <a:pPr marL="0" marR="0" lvl="0" indent="0" algn="l" rtl="0">
+                <a:lnSpc>
+                  <a:spcPct val="100000"/>
+                </a:lnSpc>
+                <a:spcBef>
+                  <a:spcPts val="0"/>
+                </a:spcBef>
+                <a:spcAft>
+                  <a:spcPts val="0"/>
+                </a:spcAft>
+                <a:buClr>
+                  <a:srgbClr val="000000"/>
+                </a:buClr>
+                <a:buSzPts val="1100"/>
+                <a:buFont typeface="Arial"/>
+                <a:buNone/>
+              </a:pPr>
+              <a:r>
+                <a:rPr lang="en-US" sz="1100" b="0" i="0" u="none" strike="noStrike" cap="none">
+                  <a:solidFill>
+                    <a:srgbClr val="FFFFFF"/>
+                  </a:solidFill>
+                  <a:latin typeface="Verdana"/>
+                  <a:ea typeface="Verdana"/>
+                  <a:cs typeface="Verdana"/>
+                  <a:sym typeface="Verdana"/>
+                </a:rPr>
+                <a:t>EdYoda - Frontend Developer Program</a:t>
+              </a:r>
+              <a:endParaRPr sz="1100" b="0" i="0" u="none" strike="noStrike" cap="none">
+                <a:solidFill>
+                  <a:srgbClr val="FFFFFF"/>
+                </a:solidFill>
+                <a:latin typeface="Verdana"/>
+                <a:ea typeface="Verdana"/>
+                <a:cs typeface="Verdana"/>
+                <a:sym typeface="Verdana"/>
+              </a:endParaRPr>
+            </a:p>
+          </p:txBody>
+        </p:sp>
+        <p:sp>
+          <p:nvSpPr>
+            <p:cNvPr id="190" name="Google Shape;190;g5f0308bde3_0_494"/>
+            <p:cNvSpPr txBox="1"/>
+            <p:nvPr/>
+          </p:nvSpPr>
+          <p:spPr>
+            <a:xfrm>
+              <a:off x="5603750" y="4737850"/>
+              <a:ext cx="2911500" cy="343800"/>
+            </a:xfrm>
+            <a:prstGeom prst="rect">
+              <a:avLst/>
+            </a:prstGeom>
+            <a:noFill/>
+            <a:ln>
+              <a:noFill/>
+            </a:ln>
+          </p:spPr>
+          <p:txBody>
+            <a:bodyPr spcFirstLastPara="1" wrap="square" lIns="91425" tIns="91425" rIns="91425" bIns="91425" anchor="t" anchorCtr="0">
+              <a:noAutofit/>
+            </a:bodyPr>
+            <a:lstStyle/>
+            <a:p>
+              <a:pPr marL="0" marR="0" lvl="0" indent="0" algn="r" rtl="0">
+                <a:lnSpc>
+                  <a:spcPct val="100000"/>
+                </a:lnSpc>
+                <a:spcBef>
+                  <a:spcPts val="0"/>
+                </a:spcBef>
+                <a:spcAft>
+                  <a:spcPts val="0"/>
+                </a:spcAft>
+                <a:buClr>
+                  <a:srgbClr val="000000"/>
+                </a:buClr>
+                <a:buSzPts val="1100"/>
+                <a:buFont typeface="Arial"/>
+                <a:buNone/>
+              </a:pPr>
+              <a:r>
+                <a:rPr lang="en-US" sz="1100" b="0" i="0" u="none" strike="noStrike" cap="none">
+                  <a:solidFill>
+                    <a:srgbClr val="FFFFFF"/>
+                  </a:solidFill>
+                  <a:latin typeface="Verdana"/>
+                  <a:ea typeface="Verdana"/>
+                  <a:cs typeface="Verdana"/>
+                  <a:sym typeface="Verdana"/>
+                </a:rPr>
+                <a:t>https://www.edyoda.com</a:t>
+              </a:r>
+              <a:endParaRPr sz="1100" b="0" i="0" u="none" strike="noStrike" cap="none">
+                <a:solidFill>
+                  <a:srgbClr val="FFFFFF"/>
+                </a:solidFill>
+                <a:latin typeface="Verdana"/>
+                <a:ea typeface="Verdana"/>
+                <a:cs typeface="Verdana"/>
+                <a:sym typeface="Verdana"/>
+              </a:endParaRPr>
+            </a:p>
+          </p:txBody>
+        </p:sp>
+      </p:grpSp>
+      <p:sp>
+        <p:nvSpPr>
+          <p:cNvPr id="6" name="Title 8">
+            <a:extLst>
+              <a:ext uri="{FF2B5EF4-FFF2-40B4-BE49-F238E27FC236}">
+                <a16:creationId xmlns:a16="http://schemas.microsoft.com/office/drawing/2014/main" id="{81A2AC88-CB35-010C-75F6-D69FDD78A558}"/>
+              </a:ext>
+            </a:extLst>
+          </p:cNvPr>
+          <p:cNvSpPr txBox="1">
+            <a:spLocks noGrp="1"/>
+          </p:cNvSpPr>
+          <p:nvPr>
+            <p:ph type="title"/>
+          </p:nvPr>
+        </p:nvSpPr>
+        <p:spPr>
+          <a:xfrm>
+            <a:off x="327423" y="293424"/>
+            <a:ext cx="8816578" cy="553968"/>
+          </a:xfrm>
+          <a:prstGeom prst="rect">
+            <a:avLst/>
+          </a:prstGeom>
+          <a:noFill/>
+        </p:spPr>
+        <p:txBody>
+          <a:bodyPr wrap="square" rtlCol="0">
+            <a:spAutoFit/>
+          </a:bodyPr>
+          <a:lstStyle/>
+          <a:p>
+            <a:r>
+              <a:rPr lang="en-IN" sz="2400" b="1" dirty="0">
+                <a:solidFill>
+                  <a:srgbClr val="002060"/>
+                </a:solidFill>
+              </a:rPr>
+              <a:t>Abstraction</a:t>
+            </a:r>
+          </a:p>
+        </p:txBody>
+      </p:sp>
+      <p:sp>
+        <p:nvSpPr>
+          <p:cNvPr id="7" name="TextBox 6">
+            <a:extLst>
+              <a:ext uri="{FF2B5EF4-FFF2-40B4-BE49-F238E27FC236}">
+                <a16:creationId xmlns:a16="http://schemas.microsoft.com/office/drawing/2014/main" id="{0F02F955-9C9A-11EC-225D-D9E73479EE3F}"/>
+              </a:ext>
+            </a:extLst>
+          </p:cNvPr>
+          <p:cNvSpPr txBox="1"/>
+          <p:nvPr/>
+        </p:nvSpPr>
+        <p:spPr>
+          <a:xfrm>
+            <a:off x="327423" y="757767"/>
+            <a:ext cx="8290477" cy="3693319"/>
+          </a:xfrm>
+          <a:prstGeom prst="rect">
+            <a:avLst/>
+          </a:prstGeom>
+          <a:noFill/>
+        </p:spPr>
+        <p:txBody>
+          <a:bodyPr wrap="square" rtlCol="0">
+            <a:spAutoFit/>
+          </a:bodyPr>
+          <a:lstStyle/>
+          <a:p>
+            <a:pPr algn="l">
+              <a:buFont typeface="Arial" panose="020B0604020202020204" pitchFamily="34" charset="0"/>
+              <a:buChar char="•"/>
+            </a:pPr>
+            <a:r>
+              <a:rPr lang="en-US" sz="1800" dirty="0">
+                <a:solidFill>
+                  <a:schemeClr val="tx1"/>
+                </a:solidFill>
+                <a:latin typeface="Nunito Sans" pitchFamily="2" charset="0"/>
+              </a:rPr>
+              <a:t> </a:t>
+            </a:r>
+            <a:r>
+              <a:rPr lang="en-US" sz="1800" b="1" dirty="0">
+                <a:solidFill>
+                  <a:schemeClr val="tx1"/>
+                </a:solidFill>
+                <a:latin typeface="Nunito Sans" pitchFamily="2" charset="0"/>
+              </a:rPr>
+              <a:t>Abstraction</a:t>
+            </a:r>
+            <a:r>
+              <a:rPr lang="en-US" sz="1800" dirty="0">
+                <a:solidFill>
+                  <a:schemeClr val="tx1"/>
+                </a:solidFill>
+                <a:latin typeface="Nunito Sans" pitchFamily="2" charset="0"/>
+              </a:rPr>
+              <a:t> is process of hiding certain details and showing essential information to the user. Abstraction keyword is used for Class &amp; Methods.</a:t>
+            </a:r>
+          </a:p>
+          <a:p>
+            <a:pPr algn="l">
+              <a:buFont typeface="Arial" panose="020B0604020202020204" pitchFamily="34" charset="0"/>
+              <a:buChar char="•"/>
+            </a:pPr>
+            <a:r>
+              <a:rPr lang="en-US" sz="1800" b="1" dirty="0">
+                <a:solidFill>
+                  <a:schemeClr val="tx1"/>
+                </a:solidFill>
+                <a:latin typeface="Nunito Sans" pitchFamily="2" charset="0"/>
+              </a:rPr>
+              <a:t> Abstract classes </a:t>
+            </a:r>
+            <a:r>
+              <a:rPr lang="en-US" sz="1800" dirty="0">
+                <a:solidFill>
+                  <a:schemeClr val="tx1"/>
+                </a:solidFill>
+                <a:latin typeface="Nunito Sans" pitchFamily="2" charset="0"/>
+              </a:rPr>
+              <a:t>can be defined as classes that cannot be instantiated i.e. whose object reference cannot be created and contains within it.</a:t>
+            </a:r>
+          </a:p>
+          <a:p>
+            <a:pPr algn="l">
+              <a:buFont typeface="Arial" panose="020B0604020202020204" pitchFamily="34" charset="0"/>
+              <a:buChar char="•"/>
+            </a:pPr>
+            <a:r>
+              <a:rPr lang="en-US" sz="1800" dirty="0">
+                <a:solidFill>
+                  <a:schemeClr val="tx1"/>
+                </a:solidFill>
+                <a:latin typeface="Nunito Sans" pitchFamily="2" charset="0"/>
+              </a:rPr>
+              <a:t> </a:t>
+            </a:r>
+            <a:r>
+              <a:rPr lang="en-US" sz="1800" b="1" dirty="0">
+                <a:solidFill>
+                  <a:schemeClr val="tx1"/>
+                </a:solidFill>
+                <a:latin typeface="Nunito Sans" pitchFamily="2" charset="0"/>
+              </a:rPr>
+              <a:t>Abstract method </a:t>
+            </a:r>
+            <a:r>
+              <a:rPr lang="en-US" sz="1800" dirty="0">
+                <a:solidFill>
+                  <a:schemeClr val="tx1"/>
+                </a:solidFill>
+                <a:latin typeface="Nunito Sans" pitchFamily="2" charset="0"/>
+              </a:rPr>
+              <a:t>is a method that can only be declared but has no implementation to it.</a:t>
+            </a:r>
+          </a:p>
+          <a:p>
+            <a:pPr algn="l">
+              <a:buFont typeface="Arial" panose="020B0604020202020204" pitchFamily="34" charset="0"/>
+              <a:buChar char="•"/>
+            </a:pPr>
+            <a:r>
+              <a:rPr lang="en-US" sz="1800" dirty="0">
+                <a:solidFill>
+                  <a:schemeClr val="tx1"/>
+                </a:solidFill>
+                <a:latin typeface="Nunito Sans" pitchFamily="2" charset="0"/>
+              </a:rPr>
+              <a:t> Abstract classes need to be inherited and require subclasses to provide implementations for the method declared in the abstract class. An Abstraction can have both abstract and regular methods.</a:t>
+            </a:r>
+          </a:p>
+          <a:p>
+            <a:pPr algn="l">
+              <a:buFont typeface="Arial" panose="020B0604020202020204" pitchFamily="34" charset="0"/>
+              <a:buChar char="•"/>
+            </a:pPr>
+            <a:r>
+              <a:rPr lang="en-US" sz="1800" dirty="0">
+                <a:solidFill>
+                  <a:schemeClr val="tx1"/>
+                </a:solidFill>
+                <a:latin typeface="Nunito Sans" pitchFamily="2" charset="0"/>
+              </a:rPr>
+              <a:t> As in Java, we have the abstract keyword to make a class an abstract class, there are no such reserve keywords in JavaScript to declare a class an abstract class.</a:t>
+            </a:r>
+          </a:p>
+          <a:p>
+            <a:pPr algn="l">
+              <a:buFont typeface="Arial" panose="020B0604020202020204" pitchFamily="34" charset="0"/>
+              <a:buChar char="•"/>
+            </a:pPr>
+            <a:r>
+              <a:rPr lang="en-US" sz="1800" dirty="0">
+                <a:solidFill>
+                  <a:schemeClr val="tx1"/>
+                </a:solidFill>
+                <a:latin typeface="Nunito Sans" pitchFamily="2" charset="0"/>
+              </a:rPr>
+              <a:t>Hiding Details, showing essentials</a:t>
+            </a:r>
+          </a:p>
+        </p:txBody>
+      </p:sp>
+    </p:spTree>
+    <p:extLst>
+      <p:ext uri="{BB962C8B-B14F-4D97-AF65-F5344CB8AC3E}">
+        <p14:creationId xmlns:p14="http://schemas.microsoft.com/office/powerpoint/2010/main" val="2232234638"/>
+      </p:ext>
+    </p:extLst>
+  </p:cSld>
+  <p:clrMapOvr>
+    <a:masterClrMapping/>
+  </p:clrMapOvr>
+</p:sld>
+</file>
+
+<file path=ppt/slides/slide11.xml><?xml version="1.0" encoding="utf-8"?>
 <p:sld xmlns:a="http://schemas.openxmlformats.org/drawingml/2006/main" xmlns:r="http://schemas.openxmlformats.org/officeDocument/2006/relationships" xmlns:p="http://schemas.openxmlformats.org/presentationml/2006/main">
   <p:cSld>
     <p:spTree>
